--- a/Diagnostics/local/Cori/figures/New Microsoft PowerPoint Presentation (3).pptx
+++ b/Diagnostics/local/Cori/figures/New Microsoft PowerPoint Presentation (3).pptx
@@ -104,6 +104,11 @@
       </a:defRPr>
     </a:lvl9pPr>
   </p:defaultTextStyle>
+  <p:extLst>
+    <p:ext uri="{EFAFB233-063F-42B5-8137-9DF3F51BA10A}">
+      <p15:sldGuideLst xmlns:p15="http://schemas.microsoft.com/office/powerpoint/2012/main"/>
+    </p:ext>
+  </p:extLst>
 </p:presentation>
 </file>
 
@@ -238,7 +243,7 @@
           <a:p>
             <a:fld id="{FD94682A-00C5-499F-BEAA-3AB457342074}" type="datetimeFigureOut">
               <a:rPr lang="en-US" smtClean="0"/>
-              <a:t>8/16/2022</a:t>
+              <a:t>3/5/2023</a:t>
             </a:fld>
             <a:endParaRPr lang="en-US"/>
           </a:p>
@@ -408,7 +413,7 @@
           <a:p>
             <a:fld id="{FD94682A-00C5-499F-BEAA-3AB457342074}" type="datetimeFigureOut">
               <a:rPr lang="en-US" smtClean="0"/>
-              <a:t>8/16/2022</a:t>
+              <a:t>3/5/2023</a:t>
             </a:fld>
             <a:endParaRPr lang="en-US"/>
           </a:p>
@@ -588,7 +593,7 @@
           <a:p>
             <a:fld id="{FD94682A-00C5-499F-BEAA-3AB457342074}" type="datetimeFigureOut">
               <a:rPr lang="en-US" smtClean="0"/>
-              <a:t>8/16/2022</a:t>
+              <a:t>3/5/2023</a:t>
             </a:fld>
             <a:endParaRPr lang="en-US"/>
           </a:p>
@@ -758,7 +763,7 @@
           <a:p>
             <a:fld id="{FD94682A-00C5-499F-BEAA-3AB457342074}" type="datetimeFigureOut">
               <a:rPr lang="en-US" smtClean="0"/>
-              <a:t>8/16/2022</a:t>
+              <a:t>3/5/2023</a:t>
             </a:fld>
             <a:endParaRPr lang="en-US"/>
           </a:p>
@@ -1002,7 +1007,7 @@
           <a:p>
             <a:fld id="{FD94682A-00C5-499F-BEAA-3AB457342074}" type="datetimeFigureOut">
               <a:rPr lang="en-US" smtClean="0"/>
-              <a:t>8/16/2022</a:t>
+              <a:t>3/5/2023</a:t>
             </a:fld>
             <a:endParaRPr lang="en-US"/>
           </a:p>
@@ -1234,7 +1239,7 @@
           <a:p>
             <a:fld id="{FD94682A-00C5-499F-BEAA-3AB457342074}" type="datetimeFigureOut">
               <a:rPr lang="en-US" smtClean="0"/>
-              <a:t>8/16/2022</a:t>
+              <a:t>3/5/2023</a:t>
             </a:fld>
             <a:endParaRPr lang="en-US"/>
           </a:p>
@@ -1601,7 +1606,7 @@
           <a:p>
             <a:fld id="{FD94682A-00C5-499F-BEAA-3AB457342074}" type="datetimeFigureOut">
               <a:rPr lang="en-US" smtClean="0"/>
-              <a:t>8/16/2022</a:t>
+              <a:t>3/5/2023</a:t>
             </a:fld>
             <a:endParaRPr lang="en-US"/>
           </a:p>
@@ -1719,7 +1724,7 @@
           <a:p>
             <a:fld id="{FD94682A-00C5-499F-BEAA-3AB457342074}" type="datetimeFigureOut">
               <a:rPr lang="en-US" smtClean="0"/>
-              <a:t>8/16/2022</a:t>
+              <a:t>3/5/2023</a:t>
             </a:fld>
             <a:endParaRPr lang="en-US"/>
           </a:p>
@@ -1814,7 +1819,7 @@
           <a:p>
             <a:fld id="{FD94682A-00C5-499F-BEAA-3AB457342074}" type="datetimeFigureOut">
               <a:rPr lang="en-US" smtClean="0"/>
-              <a:t>8/16/2022</a:t>
+              <a:t>3/5/2023</a:t>
             </a:fld>
             <a:endParaRPr lang="en-US"/>
           </a:p>
@@ -2091,7 +2096,7 @@
           <a:p>
             <a:fld id="{FD94682A-00C5-499F-BEAA-3AB457342074}" type="datetimeFigureOut">
               <a:rPr lang="en-US" smtClean="0"/>
-              <a:t>8/16/2022</a:t>
+              <a:t>3/5/2023</a:t>
             </a:fld>
             <a:endParaRPr lang="en-US"/>
           </a:p>
@@ -2348,7 +2353,7 @@
           <a:p>
             <a:fld id="{FD94682A-00C5-499F-BEAA-3AB457342074}" type="datetimeFigureOut">
               <a:rPr lang="en-US" smtClean="0"/>
-              <a:t>8/16/2022</a:t>
+              <a:t>3/5/2023</a:t>
             </a:fld>
             <a:endParaRPr lang="en-US"/>
           </a:p>
@@ -2561,7 +2566,7 @@
           <a:p>
             <a:fld id="{FD94682A-00C5-499F-BEAA-3AB457342074}" type="datetimeFigureOut">
               <a:rPr lang="en-US" smtClean="0"/>
-              <a:t>8/16/2022</a:t>
+              <a:t>3/5/2023</a:t>
             </a:fld>
             <a:endParaRPr lang="en-US"/>
           </a:p>
@@ -2968,10 +2973,10 @@
       </p:grpSpPr>
       <p:pic>
         <p:nvPicPr>
-          <p:cNvPr id="4" name="Picture 3">
+          <p:cNvPr id="10" name="Picture 9">
             <a:extLst>
               <a:ext uri="{FF2B5EF4-FFF2-40B4-BE49-F238E27FC236}">
-                <a16:creationId xmlns:a16="http://schemas.microsoft.com/office/drawing/2014/main" id="{E884A795-B3C6-4C74-ABD3-D6FB248C19FF}"/>
+                <a16:creationId xmlns:a16="http://schemas.microsoft.com/office/drawing/2014/main" id="{0CA38662-8E7A-4D33-80BF-45CE6B679818}"/>
               </a:ext>
             </a:extLst>
           </p:cNvPr>
@@ -2981,22 +2986,28 @@
           <p:nvPr/>
         </p:nvPicPr>
         <p:blipFill rotWithShape="1">
-          <a:blip r:embed="rId2"/>
-          <a:srcRect b="729"/>
+          <a:blip r:embed="rId2">
+            <a:extLst>
+              <a:ext uri="{28A0092B-C50C-407E-A947-70E740481C1C}">
+                <a14:useLocalDpi xmlns:a14="http://schemas.microsoft.com/office/drawing/2010/main" val="0"/>
+              </a:ext>
+            </a:extLst>
+          </a:blip>
+          <a:srcRect t="5939" r="6296"/>
           <a:stretch/>
         </p:blipFill>
         <p:spPr>
           <a:xfrm>
-            <a:off x="203411" y="154531"/>
-            <a:ext cx="4201797" cy="3087672"/>
+            <a:off x="82049" y="33867"/>
+            <a:ext cx="4398718" cy="3434281"/>
           </a:xfrm>
           <a:prstGeom prst="rect">
             <a:avLst/>
           </a:prstGeom>
         </p:spPr>
       </p:pic>
-      <mc:AlternateContent xmlns:mc="http://schemas.openxmlformats.org/markup-compatibility/2006">
-        <mc:Choice xmlns:a14="http://schemas.microsoft.com/office/drawing/2010/main" Requires="a14">
+      <mc:AlternateContent xmlns:mc="http://schemas.openxmlformats.org/markup-compatibility/2006" xmlns:a14="http://schemas.microsoft.com/office/drawing/2010/main">
+        <mc:Choice Requires="a14">
           <p:sp>
             <p:nvSpPr>
               <p:cNvPr id="6" name="TextBox 5">
@@ -3025,6 +3036,7 @@
               </a:bodyPr>
               <a:lstStyle/>
               <a:p>
+                <a:pPr/>
                 <a14:m>
                   <m:oMathPara xmlns:m="http://schemas.openxmlformats.org/officeDocument/2006/math">
                     <m:oMathParaPr>
@@ -3161,7 +3173,7 @@
             </p:txBody>
           </p:sp>
         </mc:Choice>
-        <mc:Fallback>
+        <mc:Fallback xmlns="">
           <p:sp>
             <p:nvSpPr>
               <p:cNvPr id="6" name="TextBox 5">
@@ -3206,36 +3218,6 @@
           </p:sp>
         </mc:Fallback>
       </mc:AlternateContent>
-      <p:pic>
-        <p:nvPicPr>
-          <p:cNvPr id="7" name="Picture 6">
-            <a:extLst>
-              <a:ext uri="{FF2B5EF4-FFF2-40B4-BE49-F238E27FC236}">
-                <a16:creationId xmlns:a16="http://schemas.microsoft.com/office/drawing/2014/main" id="{014D108A-7214-406F-B16F-90FBF60BA748}"/>
-              </a:ext>
-            </a:extLst>
-          </p:cNvPr>
-          <p:cNvPicPr>
-            <a:picLocks noChangeAspect="1"/>
-          </p:cNvPicPr>
-          <p:nvPr/>
-        </p:nvPicPr>
-        <p:blipFill>
-          <a:blip r:embed="rId4"/>
-          <a:stretch>
-            <a:fillRect/>
-          </a:stretch>
-        </p:blipFill>
-        <p:spPr>
-          <a:xfrm>
-            <a:off x="203410" y="3482043"/>
-            <a:ext cx="4149419" cy="3087672"/>
-          </a:xfrm>
-          <a:prstGeom prst="rect">
-            <a:avLst/>
-          </a:prstGeom>
-        </p:spPr>
-      </p:pic>
       <p:sp>
         <p:nvSpPr>
           <p:cNvPr id="8" name="TextBox 7">
@@ -3271,6 +3253,41 @@
           </a:p>
         </p:txBody>
       </p:sp>
+      <p:pic>
+        <p:nvPicPr>
+          <p:cNvPr id="3" name="Picture 2">
+            <a:extLst>
+              <a:ext uri="{FF2B5EF4-FFF2-40B4-BE49-F238E27FC236}">
+                <a16:creationId xmlns:a16="http://schemas.microsoft.com/office/drawing/2014/main" id="{CDBBC00C-75EA-4D49-B283-CCA812A0BA86}"/>
+              </a:ext>
+            </a:extLst>
+          </p:cNvPr>
+          <p:cNvPicPr>
+            <a:picLocks noChangeAspect="1"/>
+          </p:cNvPicPr>
+          <p:nvPr/>
+        </p:nvPicPr>
+        <p:blipFill rotWithShape="1">
+          <a:blip r:embed="rId4">
+            <a:extLst>
+              <a:ext uri="{28A0092B-C50C-407E-A947-70E740481C1C}">
+                <a14:useLocalDpi xmlns:a14="http://schemas.microsoft.com/office/drawing/2010/main" val="0"/>
+              </a:ext>
+            </a:extLst>
+          </a:blip>
+          <a:srcRect t="8134" r="6296" b="5036"/>
+          <a:stretch/>
+        </p:blipFill>
+        <p:spPr>
+          <a:xfrm>
+            <a:off x="60803" y="3375864"/>
+            <a:ext cx="4450393" cy="3207499"/>
+          </a:xfrm>
+          <a:prstGeom prst="rect">
+            <a:avLst/>
+          </a:prstGeom>
+        </p:spPr>
+      </p:pic>
       <p:sp>
         <p:nvSpPr>
           <p:cNvPr id="9" name="TextBox 8">
